--- a/courses/Algorithms/algo_files/1. Introduction.pptx
+++ b/courses/Algorithms/algo_files/1. Introduction.pptx
@@ -113,6 +113,11 @@
       </a:defRPr>
     </a:lvl9pPr>
   </p:defaultTextStyle>
+  <p:extLst>
+    <p:ext uri="{EFAFB233-063F-42B5-8137-9DF3F51BA10A}">
+      <p15:sldGuideLst xmlns:p15="http://schemas.microsoft.com/office/powerpoint/2012/main"/>
+    </p:ext>
+  </p:extLst>
 </p:presentation>
 </file>
 
@@ -3449,9 +3454,9 @@
               <a:rPr lang="en-US" dirty="0">
                 <a:hlinkClick r:id="rId2"/>
               </a:rPr>
-              <a:t>https://rafiyz.github.io/</a:t>
-            </a:r>
-            <a:endParaRPr lang="en-US" dirty="0"/>
+              <a:t>https://rafiyz.github.io/courses/Algorithms/algo.htm</a:t>
+            </a:r>
+            <a:endParaRPr lang="en-US"/>
           </a:p>
           <a:p>
             <a:endParaRPr lang="en-US" dirty="0"/>
@@ -4390,8 +4395,8 @@
           </a:p>
         </p:txBody>
       </p:sp>
-      <mc:AlternateContent xmlns:mc="http://schemas.openxmlformats.org/markup-compatibility/2006">
-        <mc:Choice xmlns:a14="http://schemas.microsoft.com/office/drawing/2010/main" Requires="a14">
+      <mc:AlternateContent xmlns:mc="http://schemas.openxmlformats.org/markup-compatibility/2006" xmlns:a14="http://schemas.microsoft.com/office/drawing/2010/main">
+        <mc:Choice Requires="a14">
           <p:sp>
             <p:nvSpPr>
               <p:cNvPr id="3" name="Content Placeholder 2">
@@ -4441,18 +4446,24 @@
                 <a14:m>
                   <m:oMath xmlns:m="http://schemas.openxmlformats.org/officeDocument/2006/math">
                     <m:r>
-                      <a:rPr lang="en-AU" i="1"/>
+                      <a:rPr lang="en-AU" i="1">
+                        <a:latin typeface="Cambria Math" panose="02040503050406030204" pitchFamily="18" charset="0"/>
+                      </a:rPr>
                       <m:t>𝑂</m:t>
                     </m:r>
                     <m:d>
                       <m:dPr>
                         <m:ctrlPr>
-                          <a:rPr lang="ur-PK" i="1"/>
+                          <a:rPr lang="ur-PK" i="1">
+                            <a:latin typeface="Cambria Math" panose="02040503050406030204" pitchFamily="18" charset="0"/>
+                          </a:rPr>
                         </m:ctrlPr>
                       </m:dPr>
                       <m:e>
                         <m:r>
-                          <a:rPr lang="ur-PK"/>
+                          <a:rPr lang="ur-PK">
+                            <a:latin typeface="Cambria Math" panose="02040503050406030204" pitchFamily="18" charset="0"/>
+                          </a:rPr>
                           <m:t>1</m:t>
                         </m:r>
                       </m:e>
@@ -4470,18 +4481,24 @@
                 <a14:m>
                   <m:oMath xmlns:m="http://schemas.openxmlformats.org/officeDocument/2006/math">
                     <m:r>
-                      <a:rPr lang="en-AU" i="1"/>
+                      <a:rPr lang="en-AU" i="1">
+                        <a:latin typeface="Cambria Math" panose="02040503050406030204" pitchFamily="18" charset="0"/>
+                      </a:rPr>
                       <m:t>𝑂</m:t>
                     </m:r>
                     <m:d>
                       <m:dPr>
                         <m:ctrlPr>
-                          <a:rPr lang="ur-PK" i="1"/>
+                          <a:rPr lang="ur-PK" i="1">
+                            <a:latin typeface="Cambria Math" panose="02040503050406030204" pitchFamily="18" charset="0"/>
+                          </a:rPr>
                         </m:ctrlPr>
                       </m:dPr>
                       <m:e>
                         <m:r>
-                          <a:rPr lang="ur-PK" i="1"/>
+                          <a:rPr lang="ur-PK" i="1">
+                            <a:latin typeface="Cambria Math" panose="02040503050406030204" pitchFamily="18" charset="0"/>
+                          </a:rPr>
                           <m:t>𝑛</m:t>
                         </m:r>
                       </m:e>
@@ -4499,31 +4516,41 @@
                 <a14:m>
                   <m:oMath xmlns:m="http://schemas.openxmlformats.org/officeDocument/2006/math">
                     <m:r>
-                      <a:rPr lang="en-AU" i="1"/>
+                      <a:rPr lang="en-AU" i="1">
+                        <a:latin typeface="Cambria Math" panose="02040503050406030204" pitchFamily="18" charset="0"/>
+                      </a:rPr>
                       <m:t>𝑂</m:t>
                     </m:r>
                     <m:d>
                       <m:dPr>
                         <m:ctrlPr>
-                          <a:rPr lang="ur-PK" i="1"/>
+                          <a:rPr lang="ur-PK" i="1">
+                            <a:latin typeface="Cambria Math" panose="02040503050406030204" pitchFamily="18" charset="0"/>
+                          </a:rPr>
                         </m:ctrlPr>
                       </m:dPr>
                       <m:e>
                         <m:sSup>
                           <m:sSupPr>
                             <m:ctrlPr>
-                              <a:rPr lang="ur-PK" i="1"/>
+                              <a:rPr lang="ur-PK" i="1">
+                                <a:latin typeface="Cambria Math" panose="02040503050406030204" pitchFamily="18" charset="0"/>
+                              </a:rPr>
                             </m:ctrlPr>
                           </m:sSupPr>
                           <m:e>
                             <m:r>
-                              <a:rPr lang="ur-PK" i="1"/>
+                              <a:rPr lang="ur-PK" i="1">
+                                <a:latin typeface="Cambria Math" panose="02040503050406030204" pitchFamily="18" charset="0"/>
+                              </a:rPr>
                               <m:t>𝑛</m:t>
                             </m:r>
                           </m:e>
                           <m:sup>
                             <m:r>
-                              <a:rPr lang="ur-PK"/>
+                              <a:rPr lang="ur-PK">
+                                <a:latin typeface="Cambria Math" panose="02040503050406030204" pitchFamily="18" charset="0"/>
+                              </a:rPr>
                               <m:t>2</m:t>
                             </m:r>
                           </m:sup>
@@ -4543,20 +4570,26 @@
                 <a14:m>
                   <m:oMath xmlns:m="http://schemas.openxmlformats.org/officeDocument/2006/math">
                     <m:r>
-                      <a:rPr lang="en-AU" i="1"/>
+                      <a:rPr lang="en-AU" i="1">
+                        <a:latin typeface="Cambria Math" panose="02040503050406030204" pitchFamily="18" charset="0"/>
+                      </a:rPr>
                       <m:t>𝑂</m:t>
                     </m:r>
                     <m:d>
                       <m:dPr>
                         <m:ctrlPr>
-                          <a:rPr lang="ur-PK" i="1"/>
+                          <a:rPr lang="ur-PK" i="1">
+                            <a:latin typeface="Cambria Math" panose="02040503050406030204" pitchFamily="18" charset="0"/>
+                          </a:rPr>
                         </m:ctrlPr>
                       </m:dPr>
                       <m:e>
                         <m:func>
                           <m:funcPr>
                             <m:ctrlPr>
-                              <a:rPr lang="ur-PK" i="1"/>
+                              <a:rPr lang="ur-PK" i="1">
+                                <a:latin typeface="Cambria Math" panose="02040503050406030204" pitchFamily="18" charset="0"/>
+                              </a:rPr>
                             </m:ctrlPr>
                           </m:funcPr>
                           <m:fName>
@@ -4564,13 +4597,17 @@
                               <m:rPr>
                                 <m:sty m:val="p"/>
                               </m:rPr>
-                              <a:rPr lang="en-AU"/>
+                              <a:rPr lang="en-AU">
+                                <a:latin typeface="Cambria Math" panose="02040503050406030204" pitchFamily="18" charset="0"/>
+                              </a:rPr>
                               <m:t>log</m:t>
                             </m:r>
                           </m:fName>
                           <m:e>
                             <m:r>
-                              <a:rPr lang="ur-PK" i="1"/>
+                              <a:rPr lang="ur-PK" i="1">
+                                <a:latin typeface="Cambria Math" panose="02040503050406030204" pitchFamily="18" charset="0"/>
+                              </a:rPr>
                               <m:t>𝑛</m:t>
                             </m:r>
                           </m:e>
@@ -4590,31 +4627,41 @@
                 <a14:m>
                   <m:oMath xmlns:m="http://schemas.openxmlformats.org/officeDocument/2006/math">
                     <m:r>
-                      <a:rPr lang="en-AU" i="1"/>
+                      <a:rPr lang="en-AU" i="1">
+                        <a:latin typeface="Cambria Math" panose="02040503050406030204" pitchFamily="18" charset="0"/>
+                      </a:rPr>
                       <m:t>𝑂</m:t>
                     </m:r>
                     <m:d>
                       <m:dPr>
                         <m:ctrlPr>
-                          <a:rPr lang="ur-PK" i="1"/>
+                          <a:rPr lang="ur-PK" i="1">
+                            <a:latin typeface="Cambria Math" panose="02040503050406030204" pitchFamily="18" charset="0"/>
+                          </a:rPr>
                         </m:ctrlPr>
                       </m:dPr>
                       <m:e>
                         <m:sSup>
                           <m:sSupPr>
                             <m:ctrlPr>
-                              <a:rPr lang="ur-PK" i="1"/>
+                              <a:rPr lang="ur-PK" i="1">
+                                <a:latin typeface="Cambria Math" panose="02040503050406030204" pitchFamily="18" charset="0"/>
+                              </a:rPr>
                             </m:ctrlPr>
                           </m:sSupPr>
                           <m:e>
                             <m:r>
-                              <a:rPr lang="ur-PK"/>
+                              <a:rPr lang="ur-PK">
+                                <a:latin typeface="Cambria Math" panose="02040503050406030204" pitchFamily="18" charset="0"/>
+                              </a:rPr>
                               <m:t>2</m:t>
                             </m:r>
                           </m:e>
                           <m:sup>
                             <m:r>
-                              <a:rPr lang="ur-PK" i="1"/>
+                              <a:rPr lang="ur-PK" i="1">
+                                <a:latin typeface="Cambria Math" panose="02040503050406030204" pitchFamily="18" charset="0"/>
+                              </a:rPr>
                               <m:t>𝑛</m:t>
                             </m:r>
                           </m:sup>
@@ -4631,7 +4678,7 @@
             </p:txBody>
           </p:sp>
         </mc:Choice>
-        <mc:Fallback>
+        <mc:Fallback xmlns="">
           <p:sp>
             <p:nvSpPr>
               <p:cNvPr id="3" name="Content Placeholder 2">
@@ -4730,8 +4777,8 @@
           </a:p>
         </p:txBody>
       </p:sp>
-      <mc:AlternateContent xmlns:mc="http://schemas.openxmlformats.org/markup-compatibility/2006">
-        <mc:Choice xmlns:a14="http://schemas.microsoft.com/office/drawing/2010/main" Requires="a14">
+      <mc:AlternateContent xmlns:mc="http://schemas.openxmlformats.org/markup-compatibility/2006" xmlns:a14="http://schemas.microsoft.com/office/drawing/2010/main">
+        <mc:Choice Requires="a14">
           <p:sp>
             <p:nvSpPr>
               <p:cNvPr id="3" name="Content Placeholder 2">
@@ -4791,18 +4838,24 @@
                 <a14:m>
                   <m:oMath xmlns:m="http://schemas.openxmlformats.org/officeDocument/2006/math">
                     <m:r>
-                      <a:rPr lang="en-AU" i="1"/>
+                      <a:rPr lang="en-AU" i="1">
+                        <a:latin typeface="Cambria Math" panose="02040503050406030204" pitchFamily="18" charset="0"/>
+                      </a:rPr>
                       <m:t>𝑂</m:t>
                     </m:r>
                     <m:d>
                       <m:dPr>
                         <m:ctrlPr>
-                          <a:rPr lang="ur-PK" i="1"/>
+                          <a:rPr lang="ur-PK" i="1">
+                            <a:latin typeface="Cambria Math" panose="02040503050406030204" pitchFamily="18" charset="0"/>
+                          </a:rPr>
                         </m:ctrlPr>
                       </m:dPr>
                       <m:e>
                         <m:r>
-                          <a:rPr lang="ur-PK"/>
+                          <a:rPr lang="ur-PK">
+                            <a:latin typeface="Cambria Math" panose="02040503050406030204" pitchFamily="18" charset="0"/>
+                          </a:rPr>
                           <m:t>1</m:t>
                         </m:r>
                       </m:e>
@@ -4820,18 +4873,24 @@
                 <a14:m>
                   <m:oMath xmlns:m="http://schemas.openxmlformats.org/officeDocument/2006/math">
                     <m:r>
-                      <a:rPr lang="en-AU" i="1"/>
+                      <a:rPr lang="en-AU" i="1">
+                        <a:latin typeface="Cambria Math" panose="02040503050406030204" pitchFamily="18" charset="0"/>
+                      </a:rPr>
                       <m:t>𝑂</m:t>
                     </m:r>
                     <m:d>
                       <m:dPr>
                         <m:ctrlPr>
-                          <a:rPr lang="ur-PK" i="1"/>
+                          <a:rPr lang="ur-PK" i="1">
+                            <a:latin typeface="Cambria Math" panose="02040503050406030204" pitchFamily="18" charset="0"/>
+                          </a:rPr>
                         </m:ctrlPr>
                       </m:dPr>
                       <m:e>
                         <m:r>
-                          <a:rPr lang="ur-PK" i="1"/>
+                          <a:rPr lang="ur-PK" i="1">
+                            <a:latin typeface="Cambria Math" panose="02040503050406030204" pitchFamily="18" charset="0"/>
+                          </a:rPr>
                           <m:t>𝑛</m:t>
                         </m:r>
                       </m:e>
@@ -4846,7 +4905,7 @@
             </p:txBody>
           </p:sp>
         </mc:Choice>
-        <mc:Fallback>
+        <mc:Fallback xmlns="">
           <p:sp>
             <p:nvSpPr>
               <p:cNvPr id="3" name="Content Placeholder 2">
@@ -4945,8 +5004,8 @@
           </a:p>
         </p:txBody>
       </p:sp>
-      <mc:AlternateContent xmlns:mc="http://schemas.openxmlformats.org/markup-compatibility/2006">
-        <mc:Choice xmlns:a14="http://schemas.microsoft.com/office/drawing/2010/main" Requires="a14">
+      <mc:AlternateContent xmlns:mc="http://schemas.openxmlformats.org/markup-compatibility/2006" xmlns:a14="http://schemas.microsoft.com/office/drawing/2010/main">
+        <mc:Choice Requires="a14">
           <p:sp>
             <p:nvSpPr>
               <p:cNvPr id="3" name="Content Placeholder 2">
@@ -4992,18 +5051,24 @@
                 <a14:m>
                   <m:oMath xmlns:m="http://schemas.openxmlformats.org/officeDocument/2006/math">
                     <m:r>
-                      <a:rPr lang="en-AU" i="1"/>
+                      <a:rPr lang="en-AU" i="1">
+                        <a:latin typeface="Cambria Math" panose="02040503050406030204" pitchFamily="18" charset="0"/>
+                      </a:rPr>
                       <m:t>𝑂</m:t>
                     </m:r>
                     <m:d>
                       <m:dPr>
                         <m:ctrlPr>
-                          <a:rPr lang="ur-PK" i="1"/>
+                          <a:rPr lang="ur-PK" i="1">
+                            <a:latin typeface="Cambria Math" panose="02040503050406030204" pitchFamily="18" charset="0"/>
+                          </a:rPr>
                         </m:ctrlPr>
                       </m:dPr>
                       <m:e>
                         <m:r>
-                          <a:rPr lang="ur-PK"/>
+                          <a:rPr lang="ur-PK">
+                            <a:latin typeface="Cambria Math" panose="02040503050406030204" pitchFamily="18" charset="0"/>
+                          </a:rPr>
                           <m:t>1</m:t>
                         </m:r>
                       </m:e>
@@ -5024,18 +5089,24 @@
                 <a14:m>
                   <m:oMath xmlns:m="http://schemas.openxmlformats.org/officeDocument/2006/math">
                     <m:r>
-                      <a:rPr lang="en-AU" i="1"/>
+                      <a:rPr lang="en-AU" i="1">
+                        <a:latin typeface="Cambria Math" panose="02040503050406030204" pitchFamily="18" charset="0"/>
+                      </a:rPr>
                       <m:t>𝑂</m:t>
                     </m:r>
                     <m:d>
                       <m:dPr>
                         <m:ctrlPr>
-                          <a:rPr lang="ur-PK" i="1"/>
+                          <a:rPr lang="ur-PK" i="1">
+                            <a:latin typeface="Cambria Math" panose="02040503050406030204" pitchFamily="18" charset="0"/>
+                          </a:rPr>
                         </m:ctrlPr>
                       </m:dPr>
                       <m:e>
                         <m:r>
-                          <a:rPr lang="ur-PK" i="1"/>
+                          <a:rPr lang="ur-PK" i="1">
+                            <a:latin typeface="Cambria Math" panose="02040503050406030204" pitchFamily="18" charset="0"/>
+                          </a:rPr>
                           <m:t>𝑛</m:t>
                         </m:r>
                       </m:e>
@@ -5056,31 +5127,41 @@
                 <a14:m>
                   <m:oMath xmlns:m="http://schemas.openxmlformats.org/officeDocument/2006/math">
                     <m:r>
-                      <a:rPr lang="en-AU" i="1"/>
+                      <a:rPr lang="en-AU" i="1">
+                        <a:latin typeface="Cambria Math" panose="02040503050406030204" pitchFamily="18" charset="0"/>
+                      </a:rPr>
                       <m:t>𝑂</m:t>
                     </m:r>
                     <m:d>
                       <m:dPr>
                         <m:ctrlPr>
-                          <a:rPr lang="ur-PK" i="1"/>
+                          <a:rPr lang="ur-PK" i="1">
+                            <a:latin typeface="Cambria Math" panose="02040503050406030204" pitchFamily="18" charset="0"/>
+                          </a:rPr>
                         </m:ctrlPr>
                       </m:dPr>
                       <m:e>
                         <m:sSup>
                           <m:sSupPr>
                             <m:ctrlPr>
-                              <a:rPr lang="ur-PK" i="1"/>
+                              <a:rPr lang="ur-PK" i="1">
+                                <a:latin typeface="Cambria Math" panose="02040503050406030204" pitchFamily="18" charset="0"/>
+                              </a:rPr>
                             </m:ctrlPr>
                           </m:sSupPr>
                           <m:e>
                             <m:r>
-                              <a:rPr lang="ur-PK" i="1"/>
+                              <a:rPr lang="ur-PK" i="1">
+                                <a:latin typeface="Cambria Math" panose="02040503050406030204" pitchFamily="18" charset="0"/>
+                              </a:rPr>
                               <m:t>𝑛</m:t>
                             </m:r>
                           </m:e>
                           <m:sup>
                             <m:r>
-                              <a:rPr lang="ur-PK"/>
+                              <a:rPr lang="ur-PK">
+                                <a:latin typeface="Cambria Math" panose="02040503050406030204" pitchFamily="18" charset="0"/>
+                              </a:rPr>
                               <m:t>2</m:t>
                             </m:r>
                           </m:sup>
@@ -5104,7 +5185,7 @@
             </p:txBody>
           </p:sp>
         </mc:Choice>
-        <mc:Fallback>
+        <mc:Fallback xmlns="">
           <p:sp>
             <p:nvSpPr>
               <p:cNvPr id="3" name="Content Placeholder 2">
